--- a/Unit 4 Dynamics/Day08 UniversalGravity/Newton’s Law of Universal Gravitation.pptx
+++ b/Unit 4 Dynamics/Day08 UniversalGravity/Newton’s Law of Universal Gravitation.pptx
@@ -11186,6 +11186,13 @@
   <p:clrMapOvr>
     <a:masterClrMapping/>
   </p:clrMapOvr>
+  <p:timing>
+    <p:tnLst>
+      <p:par>
+        <p:cTn id="1" dur="indefinite" restart="never" nodeType="tmRoot"/>
+      </p:par>
+    </p:tnLst>
+  </p:timing>
 </p:sld>
 </file>
 
@@ -11577,6 +11584,13 @@
   <p:clrMapOvr>
     <a:masterClrMapping/>
   </p:clrMapOvr>
+  <p:timing>
+    <p:tnLst>
+      <p:par>
+        <p:cTn id="1" dur="indefinite" restart="never" nodeType="tmRoot"/>
+      </p:par>
+    </p:tnLst>
+  </p:timing>
 </p:sld>
 </file>
 
@@ -11777,8 +11791,8 @@
         </p:nvSpPr>
         <p:spPr>
           <a:xfrm>
-            <a:off x="1142976" y="3923764"/>
-            <a:ext cx="6453360" cy="369332"/>
+            <a:off x="1207484" y="3659352"/>
+            <a:ext cx="6453360" cy="646331"/>
           </a:xfrm>
           <a:prstGeom prst="rect">
             <a:avLst/>
@@ -11793,7 +11807,26 @@
           <a:p>
             <a:r>
               <a:rPr lang="en-US" dirty="0" smtClean="0"/>
-              <a:t>	r is the distance between the objects in meters</a:t>
+              <a:t>	r is the distance between </a:t>
+            </a:r>
+            <a:r>
+              <a:rPr lang="en-US" dirty="0" smtClean="0"/>
+              <a:t>centers the </a:t>
+            </a:r>
+            <a:r>
+              <a:rPr lang="en-US" dirty="0" smtClean="0"/>
+              <a:t>objects </a:t>
+            </a:r>
+            <a:r>
+              <a:rPr lang="en-US" dirty="0" smtClean="0"/>
+              <a:t/>
+            </a:r>
+            <a:br>
+              <a:rPr lang="en-US" dirty="0" smtClean="0"/>
+            </a:br>
+            <a:r>
+              <a:rPr lang="en-US" dirty="0" smtClean="0"/>
+              <a:t>	in meters</a:t>
             </a:r>
             <a:endParaRPr lang="en-US" dirty="0"/>
           </a:p>
